--- a/ppt 16-9/1527.雅比斯的祷告.pptx
+++ b/ppt 16-9/1527.雅比斯的祷告.pptx
@@ -5,7 +5,7 @@
     <p:sldMasterId id="2147483648" r:id="rId1"/>
   </p:sldMasterIdLst>
   <p:sldIdLst>
-    <p:sldId id="3373" r:id="rId2"/>
+    <p:sldId id="3374" r:id="rId2"/>
   </p:sldIdLst>
   <p:sldSz cx="12192000" cy="6858000"/>
   <p:notesSz cx="6858000" cy="9144000"/>
@@ -129,7 +129,7 @@
           <p:cNvPr id="2" name="标题 1">
             <a:extLst>
               <a:ext uri="{FF2B5EF4-FFF2-40B4-BE49-F238E27FC236}">
-                <a16:creationId xmlns:a16="http://schemas.microsoft.com/office/drawing/2014/main" id="{424EF340-4CDC-9C9C-7D0A-28C148FFA273}"/>
+                <a16:creationId xmlns:a16="http://schemas.microsoft.com/office/drawing/2014/main" id="{78B99813-0DA9-A41E-0F81-8757522D981E}"/>
               </a:ext>
             </a:extLst>
           </p:cNvPr>
@@ -166,7 +166,7 @@
           <p:cNvPr id="3" name="副标题 2">
             <a:extLst>
               <a:ext uri="{FF2B5EF4-FFF2-40B4-BE49-F238E27FC236}">
-                <a16:creationId xmlns:a16="http://schemas.microsoft.com/office/drawing/2014/main" id="{5DC78481-743B-52D5-D4E5-B8FFBE8E1E3A}"/>
+                <a16:creationId xmlns:a16="http://schemas.microsoft.com/office/drawing/2014/main" id="{CA26AA26-AAF3-11F8-BBE5-C2A6FA1113B0}"/>
               </a:ext>
             </a:extLst>
           </p:cNvPr>
@@ -236,7 +236,7 @@
           <p:cNvPr id="4" name="日期占位符 3">
             <a:extLst>
               <a:ext uri="{FF2B5EF4-FFF2-40B4-BE49-F238E27FC236}">
-                <a16:creationId xmlns:a16="http://schemas.microsoft.com/office/drawing/2014/main" id="{5399EA89-CF70-BB54-5B42-3980D3998233}"/>
+                <a16:creationId xmlns:a16="http://schemas.microsoft.com/office/drawing/2014/main" id="{7B57D8B7-FF16-CA97-2001-10762DE6C241}"/>
               </a:ext>
             </a:extLst>
           </p:cNvPr>
@@ -252,7 +252,7 @@
           <a:bodyPr/>
           <a:lstStyle/>
           <a:p>
-            <a:fld id="{747A7B30-1003-49B6-B499-EA522CC09016}" type="datetimeFigureOut">
+            <a:fld id="{C614F1A7-9B53-441D-8B96-F11384B75710}" type="datetimeFigureOut">
               <a:rPr lang="zh-CN" altLang="en-US" smtClean="0"/>
               <a:t>2024/3/10</a:t>
             </a:fld>
@@ -265,7 +265,7 @@
           <p:cNvPr id="5" name="页脚占位符 4">
             <a:extLst>
               <a:ext uri="{FF2B5EF4-FFF2-40B4-BE49-F238E27FC236}">
-                <a16:creationId xmlns:a16="http://schemas.microsoft.com/office/drawing/2014/main" id="{9CE59020-2F59-FF78-770E-BE58E9D98F08}"/>
+                <a16:creationId xmlns:a16="http://schemas.microsoft.com/office/drawing/2014/main" id="{70AD2711-7BDC-8179-E0E5-0EB1C40465A6}"/>
               </a:ext>
             </a:extLst>
           </p:cNvPr>
@@ -290,7 +290,7 @@
           <p:cNvPr id="6" name="灯片编号占位符 5">
             <a:extLst>
               <a:ext uri="{FF2B5EF4-FFF2-40B4-BE49-F238E27FC236}">
-                <a16:creationId xmlns:a16="http://schemas.microsoft.com/office/drawing/2014/main" id="{BB73F500-66D8-AB46-458F-27882EE17C47}"/>
+                <a16:creationId xmlns:a16="http://schemas.microsoft.com/office/drawing/2014/main" id="{BF77CFFF-1E28-63E0-E7B6-5746D122A0D9}"/>
               </a:ext>
             </a:extLst>
           </p:cNvPr>
@@ -306,7 +306,7 @@
           <a:bodyPr/>
           <a:lstStyle/>
           <a:p>
-            <a:fld id="{52CE9567-042B-4A40-8C72-33A40CF83953}" type="slidenum">
+            <a:fld id="{B3CEFCF0-2538-4B3C-BE63-A67CA456D26A}" type="slidenum">
               <a:rPr lang="zh-CN" altLang="en-US" smtClean="0"/>
               <a:t>‹#›</a:t>
             </a:fld>
@@ -317,7 +317,7 @@
     </p:spTree>
     <p:extLst>
       <p:ext uri="{BB962C8B-B14F-4D97-AF65-F5344CB8AC3E}">
-        <p14:creationId xmlns:p14="http://schemas.microsoft.com/office/powerpoint/2010/main" val="3638685446"/>
+        <p14:creationId xmlns:p14="http://schemas.microsoft.com/office/powerpoint/2010/main" val="1977323874"/>
       </p:ext>
     </p:extLst>
   </p:cSld>
@@ -349,7 +349,7 @@
           <p:cNvPr id="2" name="标题 1">
             <a:extLst>
               <a:ext uri="{FF2B5EF4-FFF2-40B4-BE49-F238E27FC236}">
-                <a16:creationId xmlns:a16="http://schemas.microsoft.com/office/drawing/2014/main" id="{0C278CE2-54A1-F928-88A0-347229F13DC4}"/>
+                <a16:creationId xmlns:a16="http://schemas.microsoft.com/office/drawing/2014/main" id="{814982E1-8BAC-592E-9818-029E72753835}"/>
               </a:ext>
             </a:extLst>
           </p:cNvPr>
@@ -377,7 +377,7 @@
           <p:cNvPr id="3" name="竖排文字占位符 2">
             <a:extLst>
               <a:ext uri="{FF2B5EF4-FFF2-40B4-BE49-F238E27FC236}">
-                <a16:creationId xmlns:a16="http://schemas.microsoft.com/office/drawing/2014/main" id="{F79C78D6-CAC8-0288-DB2C-EDEAC8AF7C97}"/>
+                <a16:creationId xmlns:a16="http://schemas.microsoft.com/office/drawing/2014/main" id="{BDD2FAE7-7ED7-8F8C-724F-5BAC61D797DF}"/>
               </a:ext>
             </a:extLst>
           </p:cNvPr>
@@ -434,7 +434,7 @@
           <p:cNvPr id="4" name="日期占位符 3">
             <a:extLst>
               <a:ext uri="{FF2B5EF4-FFF2-40B4-BE49-F238E27FC236}">
-                <a16:creationId xmlns:a16="http://schemas.microsoft.com/office/drawing/2014/main" id="{A85B6312-1E62-3FEF-BF39-7CFE91677F14}"/>
+                <a16:creationId xmlns:a16="http://schemas.microsoft.com/office/drawing/2014/main" id="{1EB00138-3B30-8141-5F05-15A0725E1AB0}"/>
               </a:ext>
             </a:extLst>
           </p:cNvPr>
@@ -450,7 +450,7 @@
           <a:bodyPr/>
           <a:lstStyle/>
           <a:p>
-            <a:fld id="{747A7B30-1003-49B6-B499-EA522CC09016}" type="datetimeFigureOut">
+            <a:fld id="{C614F1A7-9B53-441D-8B96-F11384B75710}" type="datetimeFigureOut">
               <a:rPr lang="zh-CN" altLang="en-US" smtClean="0"/>
               <a:t>2024/3/10</a:t>
             </a:fld>
@@ -463,7 +463,7 @@
           <p:cNvPr id="5" name="页脚占位符 4">
             <a:extLst>
               <a:ext uri="{FF2B5EF4-FFF2-40B4-BE49-F238E27FC236}">
-                <a16:creationId xmlns:a16="http://schemas.microsoft.com/office/drawing/2014/main" id="{CD3B2DBF-6484-63F8-5BF0-135257FE66C8}"/>
+                <a16:creationId xmlns:a16="http://schemas.microsoft.com/office/drawing/2014/main" id="{36588F57-F402-20DB-C0F1-8133F186D14A}"/>
               </a:ext>
             </a:extLst>
           </p:cNvPr>
@@ -488,7 +488,7 @@
           <p:cNvPr id="6" name="灯片编号占位符 5">
             <a:extLst>
               <a:ext uri="{FF2B5EF4-FFF2-40B4-BE49-F238E27FC236}">
-                <a16:creationId xmlns:a16="http://schemas.microsoft.com/office/drawing/2014/main" id="{7CC228E9-A347-0632-1EC9-33E2DC3EFA4B}"/>
+                <a16:creationId xmlns:a16="http://schemas.microsoft.com/office/drawing/2014/main" id="{BCD5F24E-B094-7B17-3DE8-3B06ACAEE385}"/>
               </a:ext>
             </a:extLst>
           </p:cNvPr>
@@ -504,7 +504,7 @@
           <a:bodyPr/>
           <a:lstStyle/>
           <a:p>
-            <a:fld id="{52CE9567-042B-4A40-8C72-33A40CF83953}" type="slidenum">
+            <a:fld id="{B3CEFCF0-2538-4B3C-BE63-A67CA456D26A}" type="slidenum">
               <a:rPr lang="zh-CN" altLang="en-US" smtClean="0"/>
               <a:t>‹#›</a:t>
             </a:fld>
@@ -515,7 +515,7 @@
     </p:spTree>
     <p:extLst>
       <p:ext uri="{BB962C8B-B14F-4D97-AF65-F5344CB8AC3E}">
-        <p14:creationId xmlns:p14="http://schemas.microsoft.com/office/powerpoint/2010/main" val="4162239018"/>
+        <p14:creationId xmlns:p14="http://schemas.microsoft.com/office/powerpoint/2010/main" val="1627738293"/>
       </p:ext>
     </p:extLst>
   </p:cSld>
@@ -547,7 +547,7 @@
           <p:cNvPr id="2" name="竖排标题 1">
             <a:extLst>
               <a:ext uri="{FF2B5EF4-FFF2-40B4-BE49-F238E27FC236}">
-                <a16:creationId xmlns:a16="http://schemas.microsoft.com/office/drawing/2014/main" id="{EE26DA38-B95F-ADCD-725B-8236F267404C}"/>
+                <a16:creationId xmlns:a16="http://schemas.microsoft.com/office/drawing/2014/main" id="{C27EFDCF-0E8F-E3E4-C026-433A3E9804D4}"/>
               </a:ext>
             </a:extLst>
           </p:cNvPr>
@@ -580,7 +580,7 @@
           <p:cNvPr id="3" name="竖排文字占位符 2">
             <a:extLst>
               <a:ext uri="{FF2B5EF4-FFF2-40B4-BE49-F238E27FC236}">
-                <a16:creationId xmlns:a16="http://schemas.microsoft.com/office/drawing/2014/main" id="{0EB2846C-8A96-9466-AE20-B3327F4CD70E}"/>
+                <a16:creationId xmlns:a16="http://schemas.microsoft.com/office/drawing/2014/main" id="{95A537B3-2A5F-8C6C-77F5-578DB197E593}"/>
               </a:ext>
             </a:extLst>
           </p:cNvPr>
@@ -642,7 +642,7 @@
           <p:cNvPr id="4" name="日期占位符 3">
             <a:extLst>
               <a:ext uri="{FF2B5EF4-FFF2-40B4-BE49-F238E27FC236}">
-                <a16:creationId xmlns:a16="http://schemas.microsoft.com/office/drawing/2014/main" id="{A82E71C1-BE34-CC39-F11B-43D6F3388F9E}"/>
+                <a16:creationId xmlns:a16="http://schemas.microsoft.com/office/drawing/2014/main" id="{74395E6F-F150-6E36-4733-A559BE72FF36}"/>
               </a:ext>
             </a:extLst>
           </p:cNvPr>
@@ -658,7 +658,7 @@
           <a:bodyPr/>
           <a:lstStyle/>
           <a:p>
-            <a:fld id="{747A7B30-1003-49B6-B499-EA522CC09016}" type="datetimeFigureOut">
+            <a:fld id="{C614F1A7-9B53-441D-8B96-F11384B75710}" type="datetimeFigureOut">
               <a:rPr lang="zh-CN" altLang="en-US" smtClean="0"/>
               <a:t>2024/3/10</a:t>
             </a:fld>
@@ -671,7 +671,7 @@
           <p:cNvPr id="5" name="页脚占位符 4">
             <a:extLst>
               <a:ext uri="{FF2B5EF4-FFF2-40B4-BE49-F238E27FC236}">
-                <a16:creationId xmlns:a16="http://schemas.microsoft.com/office/drawing/2014/main" id="{9C7C205C-B824-EC1D-E8D2-CD2B5D469505}"/>
+                <a16:creationId xmlns:a16="http://schemas.microsoft.com/office/drawing/2014/main" id="{5C99E876-0817-287E-CE23-997524540B8F}"/>
               </a:ext>
             </a:extLst>
           </p:cNvPr>
@@ -696,7 +696,7 @@
           <p:cNvPr id="6" name="灯片编号占位符 5">
             <a:extLst>
               <a:ext uri="{FF2B5EF4-FFF2-40B4-BE49-F238E27FC236}">
-                <a16:creationId xmlns:a16="http://schemas.microsoft.com/office/drawing/2014/main" id="{7B9CC3EF-45C9-FFE8-C698-6AB2CC641724}"/>
+                <a16:creationId xmlns:a16="http://schemas.microsoft.com/office/drawing/2014/main" id="{19F6A449-0E43-46E5-84C1-D0FA7235FECE}"/>
               </a:ext>
             </a:extLst>
           </p:cNvPr>
@@ -712,7 +712,7 @@
           <a:bodyPr/>
           <a:lstStyle/>
           <a:p>
-            <a:fld id="{52CE9567-042B-4A40-8C72-33A40CF83953}" type="slidenum">
+            <a:fld id="{B3CEFCF0-2538-4B3C-BE63-A67CA456D26A}" type="slidenum">
               <a:rPr lang="zh-CN" altLang="en-US" smtClean="0"/>
               <a:t>‹#›</a:t>
             </a:fld>
@@ -723,7 +723,7 @@
     </p:spTree>
     <p:extLst>
       <p:ext uri="{BB962C8B-B14F-4D97-AF65-F5344CB8AC3E}">
-        <p14:creationId xmlns:p14="http://schemas.microsoft.com/office/powerpoint/2010/main" val="2562112379"/>
+        <p14:creationId xmlns:p14="http://schemas.microsoft.com/office/powerpoint/2010/main" val="2138050242"/>
       </p:ext>
     </p:extLst>
   </p:cSld>
@@ -755,7 +755,7 @@
           <p:cNvPr id="2" name="标题 1">
             <a:extLst>
               <a:ext uri="{FF2B5EF4-FFF2-40B4-BE49-F238E27FC236}">
-                <a16:creationId xmlns:a16="http://schemas.microsoft.com/office/drawing/2014/main" id="{5E1164B8-0779-9237-DB8E-619EAE046DFB}"/>
+                <a16:creationId xmlns:a16="http://schemas.microsoft.com/office/drawing/2014/main" id="{314A724A-97C9-C9A9-720D-B8C44734DC93}"/>
               </a:ext>
             </a:extLst>
           </p:cNvPr>
@@ -783,7 +783,7 @@
           <p:cNvPr id="3" name="内容占位符 2">
             <a:extLst>
               <a:ext uri="{FF2B5EF4-FFF2-40B4-BE49-F238E27FC236}">
-                <a16:creationId xmlns:a16="http://schemas.microsoft.com/office/drawing/2014/main" id="{E519FEB9-ACB1-6E9B-0C88-9CF759F16ED1}"/>
+                <a16:creationId xmlns:a16="http://schemas.microsoft.com/office/drawing/2014/main" id="{DD5F1A3A-4839-00F0-E2FB-03DBF51FE1F6}"/>
               </a:ext>
             </a:extLst>
           </p:cNvPr>
@@ -840,7 +840,7 @@
           <p:cNvPr id="4" name="日期占位符 3">
             <a:extLst>
               <a:ext uri="{FF2B5EF4-FFF2-40B4-BE49-F238E27FC236}">
-                <a16:creationId xmlns:a16="http://schemas.microsoft.com/office/drawing/2014/main" id="{345FF35F-54F0-4E4F-6424-688AFFA73D97}"/>
+                <a16:creationId xmlns:a16="http://schemas.microsoft.com/office/drawing/2014/main" id="{DBD13093-907C-EF68-C75A-236E3B74CA46}"/>
               </a:ext>
             </a:extLst>
           </p:cNvPr>
@@ -856,7 +856,7 @@
           <a:bodyPr/>
           <a:lstStyle/>
           <a:p>
-            <a:fld id="{747A7B30-1003-49B6-B499-EA522CC09016}" type="datetimeFigureOut">
+            <a:fld id="{C614F1A7-9B53-441D-8B96-F11384B75710}" type="datetimeFigureOut">
               <a:rPr lang="zh-CN" altLang="en-US" smtClean="0"/>
               <a:t>2024/3/10</a:t>
             </a:fld>
@@ -869,7 +869,7 @@
           <p:cNvPr id="5" name="页脚占位符 4">
             <a:extLst>
               <a:ext uri="{FF2B5EF4-FFF2-40B4-BE49-F238E27FC236}">
-                <a16:creationId xmlns:a16="http://schemas.microsoft.com/office/drawing/2014/main" id="{74647BAD-9DC4-A8E6-C4EA-11C0D6D51086}"/>
+                <a16:creationId xmlns:a16="http://schemas.microsoft.com/office/drawing/2014/main" id="{03AB0BA8-E85D-68B7-DFA7-50481967A134}"/>
               </a:ext>
             </a:extLst>
           </p:cNvPr>
@@ -894,7 +894,7 @@
           <p:cNvPr id="6" name="灯片编号占位符 5">
             <a:extLst>
               <a:ext uri="{FF2B5EF4-FFF2-40B4-BE49-F238E27FC236}">
-                <a16:creationId xmlns:a16="http://schemas.microsoft.com/office/drawing/2014/main" id="{1409FF4D-C1A3-4AA9-0B8D-105617B263F1}"/>
+                <a16:creationId xmlns:a16="http://schemas.microsoft.com/office/drawing/2014/main" id="{8C619D98-E23B-6C8A-053B-B3535F7D1F05}"/>
               </a:ext>
             </a:extLst>
           </p:cNvPr>
@@ -910,7 +910,7 @@
           <a:bodyPr/>
           <a:lstStyle/>
           <a:p>
-            <a:fld id="{52CE9567-042B-4A40-8C72-33A40CF83953}" type="slidenum">
+            <a:fld id="{B3CEFCF0-2538-4B3C-BE63-A67CA456D26A}" type="slidenum">
               <a:rPr lang="zh-CN" altLang="en-US" smtClean="0"/>
               <a:t>‹#›</a:t>
             </a:fld>
@@ -921,7 +921,7 @@
     </p:spTree>
     <p:extLst>
       <p:ext uri="{BB962C8B-B14F-4D97-AF65-F5344CB8AC3E}">
-        <p14:creationId xmlns:p14="http://schemas.microsoft.com/office/powerpoint/2010/main" val="2031748970"/>
+        <p14:creationId xmlns:p14="http://schemas.microsoft.com/office/powerpoint/2010/main" val="3674496896"/>
       </p:ext>
     </p:extLst>
   </p:cSld>
@@ -953,7 +953,7 @@
           <p:cNvPr id="2" name="标题 1">
             <a:extLst>
               <a:ext uri="{FF2B5EF4-FFF2-40B4-BE49-F238E27FC236}">
-                <a16:creationId xmlns:a16="http://schemas.microsoft.com/office/drawing/2014/main" id="{74C35AC0-F29E-EF9A-F481-EBE3B84078C0}"/>
+                <a16:creationId xmlns:a16="http://schemas.microsoft.com/office/drawing/2014/main" id="{7A5E87F6-BE46-B4E9-BA81-53780C35FD1F}"/>
               </a:ext>
             </a:extLst>
           </p:cNvPr>
@@ -990,7 +990,7 @@
           <p:cNvPr id="3" name="文本占位符 2">
             <a:extLst>
               <a:ext uri="{FF2B5EF4-FFF2-40B4-BE49-F238E27FC236}">
-                <a16:creationId xmlns:a16="http://schemas.microsoft.com/office/drawing/2014/main" id="{11688610-D9FF-9652-26C8-61230772C415}"/>
+                <a16:creationId xmlns:a16="http://schemas.microsoft.com/office/drawing/2014/main" id="{5143559B-2073-0BFB-76E0-7309C60E9BCB}"/>
               </a:ext>
             </a:extLst>
           </p:cNvPr>
@@ -1115,7 +1115,7 @@
           <p:cNvPr id="4" name="日期占位符 3">
             <a:extLst>
               <a:ext uri="{FF2B5EF4-FFF2-40B4-BE49-F238E27FC236}">
-                <a16:creationId xmlns:a16="http://schemas.microsoft.com/office/drawing/2014/main" id="{04229FE3-40FA-A224-98D2-1A55284D33E9}"/>
+                <a16:creationId xmlns:a16="http://schemas.microsoft.com/office/drawing/2014/main" id="{224423E2-8E38-8C26-31A6-5FCFC0B5D1B0}"/>
               </a:ext>
             </a:extLst>
           </p:cNvPr>
@@ -1131,7 +1131,7 @@
           <a:bodyPr/>
           <a:lstStyle/>
           <a:p>
-            <a:fld id="{747A7B30-1003-49B6-B499-EA522CC09016}" type="datetimeFigureOut">
+            <a:fld id="{C614F1A7-9B53-441D-8B96-F11384B75710}" type="datetimeFigureOut">
               <a:rPr lang="zh-CN" altLang="en-US" smtClean="0"/>
               <a:t>2024/3/10</a:t>
             </a:fld>
@@ -1144,7 +1144,7 @@
           <p:cNvPr id="5" name="页脚占位符 4">
             <a:extLst>
               <a:ext uri="{FF2B5EF4-FFF2-40B4-BE49-F238E27FC236}">
-                <a16:creationId xmlns:a16="http://schemas.microsoft.com/office/drawing/2014/main" id="{B02DC268-88AD-5B2A-E029-A2C27352D580}"/>
+                <a16:creationId xmlns:a16="http://schemas.microsoft.com/office/drawing/2014/main" id="{04CC063F-29E6-CED0-5B3F-5767CDF6F375}"/>
               </a:ext>
             </a:extLst>
           </p:cNvPr>
@@ -1169,7 +1169,7 @@
           <p:cNvPr id="6" name="灯片编号占位符 5">
             <a:extLst>
               <a:ext uri="{FF2B5EF4-FFF2-40B4-BE49-F238E27FC236}">
-                <a16:creationId xmlns:a16="http://schemas.microsoft.com/office/drawing/2014/main" id="{CDE860D0-7141-D0B5-2D08-B2463910CE1C}"/>
+                <a16:creationId xmlns:a16="http://schemas.microsoft.com/office/drawing/2014/main" id="{B7A32DCF-FD97-6F30-1259-0043996FC46E}"/>
               </a:ext>
             </a:extLst>
           </p:cNvPr>
@@ -1185,7 +1185,7 @@
           <a:bodyPr/>
           <a:lstStyle/>
           <a:p>
-            <a:fld id="{52CE9567-042B-4A40-8C72-33A40CF83953}" type="slidenum">
+            <a:fld id="{B3CEFCF0-2538-4B3C-BE63-A67CA456D26A}" type="slidenum">
               <a:rPr lang="zh-CN" altLang="en-US" smtClean="0"/>
               <a:t>‹#›</a:t>
             </a:fld>
@@ -1196,7 +1196,7 @@
     </p:spTree>
     <p:extLst>
       <p:ext uri="{BB962C8B-B14F-4D97-AF65-F5344CB8AC3E}">
-        <p14:creationId xmlns:p14="http://schemas.microsoft.com/office/powerpoint/2010/main" val="919948425"/>
+        <p14:creationId xmlns:p14="http://schemas.microsoft.com/office/powerpoint/2010/main" val="3229332088"/>
       </p:ext>
     </p:extLst>
   </p:cSld>
@@ -1228,7 +1228,7 @@
           <p:cNvPr id="2" name="标题 1">
             <a:extLst>
               <a:ext uri="{FF2B5EF4-FFF2-40B4-BE49-F238E27FC236}">
-                <a16:creationId xmlns:a16="http://schemas.microsoft.com/office/drawing/2014/main" id="{F532C7B9-836F-5AD4-0FEE-598C8E314AB0}"/>
+                <a16:creationId xmlns:a16="http://schemas.microsoft.com/office/drawing/2014/main" id="{E115044D-E2F7-0510-CBAF-1E37A1CBDCC2}"/>
               </a:ext>
             </a:extLst>
           </p:cNvPr>
@@ -1256,7 +1256,7 @@
           <p:cNvPr id="3" name="内容占位符 2">
             <a:extLst>
               <a:ext uri="{FF2B5EF4-FFF2-40B4-BE49-F238E27FC236}">
-                <a16:creationId xmlns:a16="http://schemas.microsoft.com/office/drawing/2014/main" id="{2DB64CF6-0AD8-A8D8-F26B-CD0DE2B490AF}"/>
+                <a16:creationId xmlns:a16="http://schemas.microsoft.com/office/drawing/2014/main" id="{D384E6F8-374F-4EF7-22F2-3FF0E87ADD9D}"/>
               </a:ext>
             </a:extLst>
           </p:cNvPr>
@@ -1318,7 +1318,7 @@
           <p:cNvPr id="4" name="内容占位符 3">
             <a:extLst>
               <a:ext uri="{FF2B5EF4-FFF2-40B4-BE49-F238E27FC236}">
-                <a16:creationId xmlns:a16="http://schemas.microsoft.com/office/drawing/2014/main" id="{6ED4331E-4A57-F1B5-BAC8-00643B4A1E97}"/>
+                <a16:creationId xmlns:a16="http://schemas.microsoft.com/office/drawing/2014/main" id="{AEFB6130-A3F9-EEE1-590E-5045EF5EBA7C}"/>
               </a:ext>
             </a:extLst>
           </p:cNvPr>
@@ -1380,7 +1380,7 @@
           <p:cNvPr id="5" name="日期占位符 4">
             <a:extLst>
               <a:ext uri="{FF2B5EF4-FFF2-40B4-BE49-F238E27FC236}">
-                <a16:creationId xmlns:a16="http://schemas.microsoft.com/office/drawing/2014/main" id="{A04214E3-DF9E-7378-A30E-CDB4358C2F09}"/>
+                <a16:creationId xmlns:a16="http://schemas.microsoft.com/office/drawing/2014/main" id="{16DDA321-E6B7-EFC7-1F09-75D5C6141343}"/>
               </a:ext>
             </a:extLst>
           </p:cNvPr>
@@ -1396,7 +1396,7 @@
           <a:bodyPr/>
           <a:lstStyle/>
           <a:p>
-            <a:fld id="{747A7B30-1003-49B6-B499-EA522CC09016}" type="datetimeFigureOut">
+            <a:fld id="{C614F1A7-9B53-441D-8B96-F11384B75710}" type="datetimeFigureOut">
               <a:rPr lang="zh-CN" altLang="en-US" smtClean="0"/>
               <a:t>2024/3/10</a:t>
             </a:fld>
@@ -1409,7 +1409,7 @@
           <p:cNvPr id="6" name="页脚占位符 5">
             <a:extLst>
               <a:ext uri="{FF2B5EF4-FFF2-40B4-BE49-F238E27FC236}">
-                <a16:creationId xmlns:a16="http://schemas.microsoft.com/office/drawing/2014/main" id="{182E5140-8815-5A15-8C6F-1386FC44FD40}"/>
+                <a16:creationId xmlns:a16="http://schemas.microsoft.com/office/drawing/2014/main" id="{5269EE5F-661C-2B58-2125-BD907A7C1F4E}"/>
               </a:ext>
             </a:extLst>
           </p:cNvPr>
@@ -1434,7 +1434,7 @@
           <p:cNvPr id="7" name="灯片编号占位符 6">
             <a:extLst>
               <a:ext uri="{FF2B5EF4-FFF2-40B4-BE49-F238E27FC236}">
-                <a16:creationId xmlns:a16="http://schemas.microsoft.com/office/drawing/2014/main" id="{0AB96FC5-0203-7A6B-4336-82896D47A254}"/>
+                <a16:creationId xmlns:a16="http://schemas.microsoft.com/office/drawing/2014/main" id="{6A9BD6C8-85F1-B3EA-D7A1-8C7C390990C4}"/>
               </a:ext>
             </a:extLst>
           </p:cNvPr>
@@ -1450,7 +1450,7 @@
           <a:bodyPr/>
           <a:lstStyle/>
           <a:p>
-            <a:fld id="{52CE9567-042B-4A40-8C72-33A40CF83953}" type="slidenum">
+            <a:fld id="{B3CEFCF0-2538-4B3C-BE63-A67CA456D26A}" type="slidenum">
               <a:rPr lang="zh-CN" altLang="en-US" smtClean="0"/>
               <a:t>‹#›</a:t>
             </a:fld>
@@ -1461,7 +1461,7 @@
     </p:spTree>
     <p:extLst>
       <p:ext uri="{BB962C8B-B14F-4D97-AF65-F5344CB8AC3E}">
-        <p14:creationId xmlns:p14="http://schemas.microsoft.com/office/powerpoint/2010/main" val="1683968486"/>
+        <p14:creationId xmlns:p14="http://schemas.microsoft.com/office/powerpoint/2010/main" val="1025358026"/>
       </p:ext>
     </p:extLst>
   </p:cSld>
@@ -1493,7 +1493,7 @@
           <p:cNvPr id="2" name="标题 1">
             <a:extLst>
               <a:ext uri="{FF2B5EF4-FFF2-40B4-BE49-F238E27FC236}">
-                <a16:creationId xmlns:a16="http://schemas.microsoft.com/office/drawing/2014/main" id="{E7D119BC-E2CF-5BA0-DB49-360A36C69AEA}"/>
+                <a16:creationId xmlns:a16="http://schemas.microsoft.com/office/drawing/2014/main" id="{98002299-2994-DE48-8B0B-AD088CBA34DF}"/>
               </a:ext>
             </a:extLst>
           </p:cNvPr>
@@ -1526,7 +1526,7 @@
           <p:cNvPr id="3" name="文本占位符 2">
             <a:extLst>
               <a:ext uri="{FF2B5EF4-FFF2-40B4-BE49-F238E27FC236}">
-                <a16:creationId xmlns:a16="http://schemas.microsoft.com/office/drawing/2014/main" id="{580DB2A6-0803-DD0C-C3BE-900EFFD7F693}"/>
+                <a16:creationId xmlns:a16="http://schemas.microsoft.com/office/drawing/2014/main" id="{8B7F655E-FB68-4EE3-853F-BDA6BFF1FB61}"/>
               </a:ext>
             </a:extLst>
           </p:cNvPr>
@@ -1597,7 +1597,7 @@
           <p:cNvPr id="4" name="内容占位符 3">
             <a:extLst>
               <a:ext uri="{FF2B5EF4-FFF2-40B4-BE49-F238E27FC236}">
-                <a16:creationId xmlns:a16="http://schemas.microsoft.com/office/drawing/2014/main" id="{E4F6FA74-4430-1867-87FA-2E6ACE80F28E}"/>
+                <a16:creationId xmlns:a16="http://schemas.microsoft.com/office/drawing/2014/main" id="{A564EC01-2FA3-2494-0743-B30605E70E09}"/>
               </a:ext>
             </a:extLst>
           </p:cNvPr>
@@ -1659,7 +1659,7 @@
           <p:cNvPr id="5" name="文本占位符 4">
             <a:extLst>
               <a:ext uri="{FF2B5EF4-FFF2-40B4-BE49-F238E27FC236}">
-                <a16:creationId xmlns:a16="http://schemas.microsoft.com/office/drawing/2014/main" id="{24E01AA7-B3C3-9DB3-D782-E2FB467F5A59}"/>
+                <a16:creationId xmlns:a16="http://schemas.microsoft.com/office/drawing/2014/main" id="{64512C58-B939-764F-D26C-62F8D3E0D790}"/>
               </a:ext>
             </a:extLst>
           </p:cNvPr>
@@ -1730,7 +1730,7 @@
           <p:cNvPr id="6" name="内容占位符 5">
             <a:extLst>
               <a:ext uri="{FF2B5EF4-FFF2-40B4-BE49-F238E27FC236}">
-                <a16:creationId xmlns:a16="http://schemas.microsoft.com/office/drawing/2014/main" id="{D2DC2DCB-D7DC-9716-E0EC-52E93419BDF4}"/>
+                <a16:creationId xmlns:a16="http://schemas.microsoft.com/office/drawing/2014/main" id="{8C70568B-529B-6A22-DAF4-C6FB60C80A30}"/>
               </a:ext>
             </a:extLst>
           </p:cNvPr>
@@ -1792,7 +1792,7 @@
           <p:cNvPr id="7" name="日期占位符 6">
             <a:extLst>
               <a:ext uri="{FF2B5EF4-FFF2-40B4-BE49-F238E27FC236}">
-                <a16:creationId xmlns:a16="http://schemas.microsoft.com/office/drawing/2014/main" id="{309D7BF0-554A-005D-EA5A-E0637DE9EC01}"/>
+                <a16:creationId xmlns:a16="http://schemas.microsoft.com/office/drawing/2014/main" id="{B54997FF-87FA-204D-28DF-ACC604C2B912}"/>
               </a:ext>
             </a:extLst>
           </p:cNvPr>
@@ -1808,7 +1808,7 @@
           <a:bodyPr/>
           <a:lstStyle/>
           <a:p>
-            <a:fld id="{747A7B30-1003-49B6-B499-EA522CC09016}" type="datetimeFigureOut">
+            <a:fld id="{C614F1A7-9B53-441D-8B96-F11384B75710}" type="datetimeFigureOut">
               <a:rPr lang="zh-CN" altLang="en-US" smtClean="0"/>
               <a:t>2024/3/10</a:t>
             </a:fld>
@@ -1821,7 +1821,7 @@
           <p:cNvPr id="8" name="页脚占位符 7">
             <a:extLst>
               <a:ext uri="{FF2B5EF4-FFF2-40B4-BE49-F238E27FC236}">
-                <a16:creationId xmlns:a16="http://schemas.microsoft.com/office/drawing/2014/main" id="{0B3B397B-FC20-4CBD-D6A8-801AA1E1D651}"/>
+                <a16:creationId xmlns:a16="http://schemas.microsoft.com/office/drawing/2014/main" id="{68B6D052-0783-6B70-01EE-323D0B6427DC}"/>
               </a:ext>
             </a:extLst>
           </p:cNvPr>
@@ -1846,7 +1846,7 @@
           <p:cNvPr id="9" name="灯片编号占位符 8">
             <a:extLst>
               <a:ext uri="{FF2B5EF4-FFF2-40B4-BE49-F238E27FC236}">
-                <a16:creationId xmlns:a16="http://schemas.microsoft.com/office/drawing/2014/main" id="{B94454AE-1199-7502-5970-959D4F13B2CF}"/>
+                <a16:creationId xmlns:a16="http://schemas.microsoft.com/office/drawing/2014/main" id="{AA80FF1F-1F06-81FD-7D4E-0A7655D12E83}"/>
               </a:ext>
             </a:extLst>
           </p:cNvPr>
@@ -1862,7 +1862,7 @@
           <a:bodyPr/>
           <a:lstStyle/>
           <a:p>
-            <a:fld id="{52CE9567-042B-4A40-8C72-33A40CF83953}" type="slidenum">
+            <a:fld id="{B3CEFCF0-2538-4B3C-BE63-A67CA456D26A}" type="slidenum">
               <a:rPr lang="zh-CN" altLang="en-US" smtClean="0"/>
               <a:t>‹#›</a:t>
             </a:fld>
@@ -1873,7 +1873,7 @@
     </p:spTree>
     <p:extLst>
       <p:ext uri="{BB962C8B-B14F-4D97-AF65-F5344CB8AC3E}">
-        <p14:creationId xmlns:p14="http://schemas.microsoft.com/office/powerpoint/2010/main" val="3065404715"/>
+        <p14:creationId xmlns:p14="http://schemas.microsoft.com/office/powerpoint/2010/main" val="595410079"/>
       </p:ext>
     </p:extLst>
   </p:cSld>
@@ -1905,7 +1905,7 @@
           <p:cNvPr id="2" name="标题 1">
             <a:extLst>
               <a:ext uri="{FF2B5EF4-FFF2-40B4-BE49-F238E27FC236}">
-                <a16:creationId xmlns:a16="http://schemas.microsoft.com/office/drawing/2014/main" id="{165FEA06-CE30-4E1C-9086-9A349EFA9661}"/>
+                <a16:creationId xmlns:a16="http://schemas.microsoft.com/office/drawing/2014/main" id="{E86CE07C-8864-5FA2-E00D-09888E729C2A}"/>
               </a:ext>
             </a:extLst>
           </p:cNvPr>
@@ -1933,7 +1933,7 @@
           <p:cNvPr id="3" name="日期占位符 2">
             <a:extLst>
               <a:ext uri="{FF2B5EF4-FFF2-40B4-BE49-F238E27FC236}">
-                <a16:creationId xmlns:a16="http://schemas.microsoft.com/office/drawing/2014/main" id="{29072A4B-ACFA-937B-C2E6-B28B8F1E5A7C}"/>
+                <a16:creationId xmlns:a16="http://schemas.microsoft.com/office/drawing/2014/main" id="{EF906918-BD42-E954-5782-6955B4AF7EC5}"/>
               </a:ext>
             </a:extLst>
           </p:cNvPr>
@@ -1949,7 +1949,7 @@
           <a:bodyPr/>
           <a:lstStyle/>
           <a:p>
-            <a:fld id="{747A7B30-1003-49B6-B499-EA522CC09016}" type="datetimeFigureOut">
+            <a:fld id="{C614F1A7-9B53-441D-8B96-F11384B75710}" type="datetimeFigureOut">
               <a:rPr lang="zh-CN" altLang="en-US" smtClean="0"/>
               <a:t>2024/3/10</a:t>
             </a:fld>
@@ -1962,7 +1962,7 @@
           <p:cNvPr id="4" name="页脚占位符 3">
             <a:extLst>
               <a:ext uri="{FF2B5EF4-FFF2-40B4-BE49-F238E27FC236}">
-                <a16:creationId xmlns:a16="http://schemas.microsoft.com/office/drawing/2014/main" id="{CED42B45-5EC9-F594-17BA-2EFB9360F8FB}"/>
+                <a16:creationId xmlns:a16="http://schemas.microsoft.com/office/drawing/2014/main" id="{9991F77D-B491-4484-536D-BF026F739C9F}"/>
               </a:ext>
             </a:extLst>
           </p:cNvPr>
@@ -1987,7 +1987,7 @@
           <p:cNvPr id="5" name="灯片编号占位符 4">
             <a:extLst>
               <a:ext uri="{FF2B5EF4-FFF2-40B4-BE49-F238E27FC236}">
-                <a16:creationId xmlns:a16="http://schemas.microsoft.com/office/drawing/2014/main" id="{A4A27C51-CCD6-E97A-1FD7-E6127B8DB02E}"/>
+                <a16:creationId xmlns:a16="http://schemas.microsoft.com/office/drawing/2014/main" id="{D0036BF6-96A7-83B1-1A95-3EE216A82716}"/>
               </a:ext>
             </a:extLst>
           </p:cNvPr>
@@ -2003,7 +2003,7 @@
           <a:bodyPr/>
           <a:lstStyle/>
           <a:p>
-            <a:fld id="{52CE9567-042B-4A40-8C72-33A40CF83953}" type="slidenum">
+            <a:fld id="{B3CEFCF0-2538-4B3C-BE63-A67CA456D26A}" type="slidenum">
               <a:rPr lang="zh-CN" altLang="en-US" smtClean="0"/>
               <a:t>‹#›</a:t>
             </a:fld>
@@ -2014,7 +2014,7 @@
     </p:spTree>
     <p:extLst>
       <p:ext uri="{BB962C8B-B14F-4D97-AF65-F5344CB8AC3E}">
-        <p14:creationId xmlns:p14="http://schemas.microsoft.com/office/powerpoint/2010/main" val="1964852502"/>
+        <p14:creationId xmlns:p14="http://schemas.microsoft.com/office/powerpoint/2010/main" val="57876180"/>
       </p:ext>
     </p:extLst>
   </p:cSld>
@@ -2046,7 +2046,7 @@
           <p:cNvPr id="2" name="日期占位符 1">
             <a:extLst>
               <a:ext uri="{FF2B5EF4-FFF2-40B4-BE49-F238E27FC236}">
-                <a16:creationId xmlns:a16="http://schemas.microsoft.com/office/drawing/2014/main" id="{AB10B5AA-00D6-B19A-0CF1-F166ECEEB520}"/>
+                <a16:creationId xmlns:a16="http://schemas.microsoft.com/office/drawing/2014/main" id="{64BDDB20-A41A-FD6A-70E6-B70D6709E1B4}"/>
               </a:ext>
             </a:extLst>
           </p:cNvPr>
@@ -2062,7 +2062,7 @@
           <a:bodyPr/>
           <a:lstStyle/>
           <a:p>
-            <a:fld id="{747A7B30-1003-49B6-B499-EA522CC09016}" type="datetimeFigureOut">
+            <a:fld id="{C614F1A7-9B53-441D-8B96-F11384B75710}" type="datetimeFigureOut">
               <a:rPr lang="zh-CN" altLang="en-US" smtClean="0"/>
               <a:t>2024/3/10</a:t>
             </a:fld>
@@ -2075,7 +2075,7 @@
           <p:cNvPr id="3" name="页脚占位符 2">
             <a:extLst>
               <a:ext uri="{FF2B5EF4-FFF2-40B4-BE49-F238E27FC236}">
-                <a16:creationId xmlns:a16="http://schemas.microsoft.com/office/drawing/2014/main" id="{4D68D95A-B280-7AF5-EA19-314B99072557}"/>
+                <a16:creationId xmlns:a16="http://schemas.microsoft.com/office/drawing/2014/main" id="{1960B3C9-C401-9301-CCAA-D820E07B6698}"/>
               </a:ext>
             </a:extLst>
           </p:cNvPr>
@@ -2100,7 +2100,7 @@
           <p:cNvPr id="4" name="灯片编号占位符 3">
             <a:extLst>
               <a:ext uri="{FF2B5EF4-FFF2-40B4-BE49-F238E27FC236}">
-                <a16:creationId xmlns:a16="http://schemas.microsoft.com/office/drawing/2014/main" id="{68E938D4-F554-B275-A5E6-BBD653483C41}"/>
+                <a16:creationId xmlns:a16="http://schemas.microsoft.com/office/drawing/2014/main" id="{60BA6B8A-EE43-7A6B-C136-15A29049B88B}"/>
               </a:ext>
             </a:extLst>
           </p:cNvPr>
@@ -2116,7 +2116,7 @@
           <a:bodyPr/>
           <a:lstStyle/>
           <a:p>
-            <a:fld id="{52CE9567-042B-4A40-8C72-33A40CF83953}" type="slidenum">
+            <a:fld id="{B3CEFCF0-2538-4B3C-BE63-A67CA456D26A}" type="slidenum">
               <a:rPr lang="zh-CN" altLang="en-US" smtClean="0"/>
               <a:t>‹#›</a:t>
             </a:fld>
@@ -2127,7 +2127,7 @@
     </p:spTree>
     <p:extLst>
       <p:ext uri="{BB962C8B-B14F-4D97-AF65-F5344CB8AC3E}">
-        <p14:creationId xmlns:p14="http://schemas.microsoft.com/office/powerpoint/2010/main" val="1323820475"/>
+        <p14:creationId xmlns:p14="http://schemas.microsoft.com/office/powerpoint/2010/main" val="1009824953"/>
       </p:ext>
     </p:extLst>
   </p:cSld>
@@ -2159,7 +2159,7 @@
           <p:cNvPr id="2" name="标题 1">
             <a:extLst>
               <a:ext uri="{FF2B5EF4-FFF2-40B4-BE49-F238E27FC236}">
-                <a16:creationId xmlns:a16="http://schemas.microsoft.com/office/drawing/2014/main" id="{D65709F1-8557-999E-1016-167971BCBD27}"/>
+                <a16:creationId xmlns:a16="http://schemas.microsoft.com/office/drawing/2014/main" id="{2A52100A-8E07-84D1-1446-71AB0E5CE5F7}"/>
               </a:ext>
             </a:extLst>
           </p:cNvPr>
@@ -2196,7 +2196,7 @@
           <p:cNvPr id="3" name="内容占位符 2">
             <a:extLst>
               <a:ext uri="{FF2B5EF4-FFF2-40B4-BE49-F238E27FC236}">
-                <a16:creationId xmlns:a16="http://schemas.microsoft.com/office/drawing/2014/main" id="{F22F69B8-A703-7F9B-E672-7ED550ED530A}"/>
+                <a16:creationId xmlns:a16="http://schemas.microsoft.com/office/drawing/2014/main" id="{A33E78CB-8105-CE9E-B3D2-8670971D67B6}"/>
               </a:ext>
             </a:extLst>
           </p:cNvPr>
@@ -2286,7 +2286,7 @@
           <p:cNvPr id="4" name="文本占位符 3">
             <a:extLst>
               <a:ext uri="{FF2B5EF4-FFF2-40B4-BE49-F238E27FC236}">
-                <a16:creationId xmlns:a16="http://schemas.microsoft.com/office/drawing/2014/main" id="{BD9CA79C-E01A-3D32-C7D4-3FF9AC7057A2}"/>
+                <a16:creationId xmlns:a16="http://schemas.microsoft.com/office/drawing/2014/main" id="{C24B20A1-A01E-BDE2-194E-8AC0A16DE9AE}"/>
               </a:ext>
             </a:extLst>
           </p:cNvPr>
@@ -2357,7 +2357,7 @@
           <p:cNvPr id="5" name="日期占位符 4">
             <a:extLst>
               <a:ext uri="{FF2B5EF4-FFF2-40B4-BE49-F238E27FC236}">
-                <a16:creationId xmlns:a16="http://schemas.microsoft.com/office/drawing/2014/main" id="{AD7360CE-A25C-BAD3-81ED-25B2EF5EBC8D}"/>
+                <a16:creationId xmlns:a16="http://schemas.microsoft.com/office/drawing/2014/main" id="{144850AB-8B0A-1954-54E4-FC4E35237D87}"/>
               </a:ext>
             </a:extLst>
           </p:cNvPr>
@@ -2373,7 +2373,7 @@
           <a:bodyPr/>
           <a:lstStyle/>
           <a:p>
-            <a:fld id="{747A7B30-1003-49B6-B499-EA522CC09016}" type="datetimeFigureOut">
+            <a:fld id="{C614F1A7-9B53-441D-8B96-F11384B75710}" type="datetimeFigureOut">
               <a:rPr lang="zh-CN" altLang="en-US" smtClean="0"/>
               <a:t>2024/3/10</a:t>
             </a:fld>
@@ -2386,7 +2386,7 @@
           <p:cNvPr id="6" name="页脚占位符 5">
             <a:extLst>
               <a:ext uri="{FF2B5EF4-FFF2-40B4-BE49-F238E27FC236}">
-                <a16:creationId xmlns:a16="http://schemas.microsoft.com/office/drawing/2014/main" id="{AA61A2AF-9100-4C10-3DD1-01D4246F43E4}"/>
+                <a16:creationId xmlns:a16="http://schemas.microsoft.com/office/drawing/2014/main" id="{8D410D04-2733-5D3D-AB6A-08D9E0A071AB}"/>
               </a:ext>
             </a:extLst>
           </p:cNvPr>
@@ -2411,7 +2411,7 @@
           <p:cNvPr id="7" name="灯片编号占位符 6">
             <a:extLst>
               <a:ext uri="{FF2B5EF4-FFF2-40B4-BE49-F238E27FC236}">
-                <a16:creationId xmlns:a16="http://schemas.microsoft.com/office/drawing/2014/main" id="{A52A3058-78DB-625C-10EA-D2B932D0FD63}"/>
+                <a16:creationId xmlns:a16="http://schemas.microsoft.com/office/drawing/2014/main" id="{25E46904-C90A-3490-1499-8376036AFFF2}"/>
               </a:ext>
             </a:extLst>
           </p:cNvPr>
@@ -2427,7 +2427,7 @@
           <a:bodyPr/>
           <a:lstStyle/>
           <a:p>
-            <a:fld id="{52CE9567-042B-4A40-8C72-33A40CF83953}" type="slidenum">
+            <a:fld id="{B3CEFCF0-2538-4B3C-BE63-A67CA456D26A}" type="slidenum">
               <a:rPr lang="zh-CN" altLang="en-US" smtClean="0"/>
               <a:t>‹#›</a:t>
             </a:fld>
@@ -2438,7 +2438,7 @@
     </p:spTree>
     <p:extLst>
       <p:ext uri="{BB962C8B-B14F-4D97-AF65-F5344CB8AC3E}">
-        <p14:creationId xmlns:p14="http://schemas.microsoft.com/office/powerpoint/2010/main" val="4035671296"/>
+        <p14:creationId xmlns:p14="http://schemas.microsoft.com/office/powerpoint/2010/main" val="3275788183"/>
       </p:ext>
     </p:extLst>
   </p:cSld>
@@ -2470,7 +2470,7 @@
           <p:cNvPr id="2" name="标题 1">
             <a:extLst>
               <a:ext uri="{FF2B5EF4-FFF2-40B4-BE49-F238E27FC236}">
-                <a16:creationId xmlns:a16="http://schemas.microsoft.com/office/drawing/2014/main" id="{7E5D9346-B2FC-26BB-62CB-B667A238F7CB}"/>
+                <a16:creationId xmlns:a16="http://schemas.microsoft.com/office/drawing/2014/main" id="{30C3E7D4-2DC7-0F6B-6DA5-D9F03C32823C}"/>
               </a:ext>
             </a:extLst>
           </p:cNvPr>
@@ -2507,7 +2507,7 @@
           <p:cNvPr id="3" name="图片占位符 2">
             <a:extLst>
               <a:ext uri="{FF2B5EF4-FFF2-40B4-BE49-F238E27FC236}">
-                <a16:creationId xmlns:a16="http://schemas.microsoft.com/office/drawing/2014/main" id="{C9FF76B6-6310-9EB4-7E0E-450E5C6D70EB}"/>
+                <a16:creationId xmlns:a16="http://schemas.microsoft.com/office/drawing/2014/main" id="{D2F6D40B-668B-73DC-903C-EC9AF2C019E0}"/>
               </a:ext>
             </a:extLst>
           </p:cNvPr>
@@ -2574,7 +2574,7 @@
           <p:cNvPr id="4" name="文本占位符 3">
             <a:extLst>
               <a:ext uri="{FF2B5EF4-FFF2-40B4-BE49-F238E27FC236}">
-                <a16:creationId xmlns:a16="http://schemas.microsoft.com/office/drawing/2014/main" id="{1D51CED7-095E-23CC-B05A-DC0C33D3916A}"/>
+                <a16:creationId xmlns:a16="http://schemas.microsoft.com/office/drawing/2014/main" id="{B19A8F97-8820-F1C3-62F6-BB6060D3892C}"/>
               </a:ext>
             </a:extLst>
           </p:cNvPr>
@@ -2645,7 +2645,7 @@
           <p:cNvPr id="5" name="日期占位符 4">
             <a:extLst>
               <a:ext uri="{FF2B5EF4-FFF2-40B4-BE49-F238E27FC236}">
-                <a16:creationId xmlns:a16="http://schemas.microsoft.com/office/drawing/2014/main" id="{6D14D1A0-21A7-4488-2A1C-D7D4DC891C78}"/>
+                <a16:creationId xmlns:a16="http://schemas.microsoft.com/office/drawing/2014/main" id="{6587E280-9D91-5CA9-DF29-B2E653DC9CC1}"/>
               </a:ext>
             </a:extLst>
           </p:cNvPr>
@@ -2661,7 +2661,7 @@
           <a:bodyPr/>
           <a:lstStyle/>
           <a:p>
-            <a:fld id="{747A7B30-1003-49B6-B499-EA522CC09016}" type="datetimeFigureOut">
+            <a:fld id="{C614F1A7-9B53-441D-8B96-F11384B75710}" type="datetimeFigureOut">
               <a:rPr lang="zh-CN" altLang="en-US" smtClean="0"/>
               <a:t>2024/3/10</a:t>
             </a:fld>
@@ -2674,7 +2674,7 @@
           <p:cNvPr id="6" name="页脚占位符 5">
             <a:extLst>
               <a:ext uri="{FF2B5EF4-FFF2-40B4-BE49-F238E27FC236}">
-                <a16:creationId xmlns:a16="http://schemas.microsoft.com/office/drawing/2014/main" id="{352A613E-28D7-77B7-9927-D7568CE3F026}"/>
+                <a16:creationId xmlns:a16="http://schemas.microsoft.com/office/drawing/2014/main" id="{41F03AAD-3B98-DE8B-3852-27CD1817F71A}"/>
               </a:ext>
             </a:extLst>
           </p:cNvPr>
@@ -2699,7 +2699,7 @@
           <p:cNvPr id="7" name="灯片编号占位符 6">
             <a:extLst>
               <a:ext uri="{FF2B5EF4-FFF2-40B4-BE49-F238E27FC236}">
-                <a16:creationId xmlns:a16="http://schemas.microsoft.com/office/drawing/2014/main" id="{CB255DEC-5185-0F0E-2959-D59C7DB2B4FF}"/>
+                <a16:creationId xmlns:a16="http://schemas.microsoft.com/office/drawing/2014/main" id="{D890C420-EAF8-279C-57A7-E509C72ED383}"/>
               </a:ext>
             </a:extLst>
           </p:cNvPr>
@@ -2715,7 +2715,7 @@
           <a:bodyPr/>
           <a:lstStyle/>
           <a:p>
-            <a:fld id="{52CE9567-042B-4A40-8C72-33A40CF83953}" type="slidenum">
+            <a:fld id="{B3CEFCF0-2538-4B3C-BE63-A67CA456D26A}" type="slidenum">
               <a:rPr lang="zh-CN" altLang="en-US" smtClean="0"/>
               <a:t>‹#›</a:t>
             </a:fld>
@@ -2726,7 +2726,7 @@
     </p:spTree>
     <p:extLst>
       <p:ext uri="{BB962C8B-B14F-4D97-AF65-F5344CB8AC3E}">
-        <p14:creationId xmlns:p14="http://schemas.microsoft.com/office/powerpoint/2010/main" val="405315492"/>
+        <p14:creationId xmlns:p14="http://schemas.microsoft.com/office/powerpoint/2010/main" val="760833266"/>
       </p:ext>
     </p:extLst>
   </p:cSld>
@@ -2763,7 +2763,7 @@
           <p:cNvPr id="2" name="标题占位符 1">
             <a:extLst>
               <a:ext uri="{FF2B5EF4-FFF2-40B4-BE49-F238E27FC236}">
-                <a16:creationId xmlns:a16="http://schemas.microsoft.com/office/drawing/2014/main" id="{E99019B4-6D4D-23C4-59A7-E0AF66D59733}"/>
+                <a16:creationId xmlns:a16="http://schemas.microsoft.com/office/drawing/2014/main" id="{7F940F0E-B71C-60BD-9F25-F6C539593C6B}"/>
               </a:ext>
             </a:extLst>
           </p:cNvPr>
@@ -2801,7 +2801,7 @@
           <p:cNvPr id="3" name="文本占位符 2">
             <a:extLst>
               <a:ext uri="{FF2B5EF4-FFF2-40B4-BE49-F238E27FC236}">
-                <a16:creationId xmlns:a16="http://schemas.microsoft.com/office/drawing/2014/main" id="{1C9F9E81-1241-7661-DAE1-1DB19F9D854D}"/>
+                <a16:creationId xmlns:a16="http://schemas.microsoft.com/office/drawing/2014/main" id="{998DADAD-C2AD-2732-1460-7D2E52BA10DB}"/>
               </a:ext>
             </a:extLst>
           </p:cNvPr>
@@ -2868,7 +2868,7 @@
           <p:cNvPr id="4" name="日期占位符 3">
             <a:extLst>
               <a:ext uri="{FF2B5EF4-FFF2-40B4-BE49-F238E27FC236}">
-                <a16:creationId xmlns:a16="http://schemas.microsoft.com/office/drawing/2014/main" id="{F80FBC44-C4C6-2B63-8443-A49FEE4CE3CC}"/>
+                <a16:creationId xmlns:a16="http://schemas.microsoft.com/office/drawing/2014/main" id="{FB6A0543-9008-EAE6-8875-56688B3E2ED3}"/>
               </a:ext>
             </a:extLst>
           </p:cNvPr>
@@ -2902,7 +2902,7 @@
             </a:lvl1pPr>
           </a:lstStyle>
           <a:p>
-            <a:fld id="{747A7B30-1003-49B6-B499-EA522CC09016}" type="datetimeFigureOut">
+            <a:fld id="{C614F1A7-9B53-441D-8B96-F11384B75710}" type="datetimeFigureOut">
               <a:rPr lang="zh-CN" altLang="en-US" smtClean="0"/>
               <a:t>2024/3/10</a:t>
             </a:fld>
@@ -2915,7 +2915,7 @@
           <p:cNvPr id="5" name="页脚占位符 4">
             <a:extLst>
               <a:ext uri="{FF2B5EF4-FFF2-40B4-BE49-F238E27FC236}">
-                <a16:creationId xmlns:a16="http://schemas.microsoft.com/office/drawing/2014/main" id="{C5FF8273-461B-25FB-19E9-51D02D8C2061}"/>
+                <a16:creationId xmlns:a16="http://schemas.microsoft.com/office/drawing/2014/main" id="{34600C0A-E5DE-6C8A-FCFD-0770BD18F912}"/>
               </a:ext>
             </a:extLst>
           </p:cNvPr>
@@ -2958,7 +2958,7 @@
           <p:cNvPr id="6" name="灯片编号占位符 5">
             <a:extLst>
               <a:ext uri="{FF2B5EF4-FFF2-40B4-BE49-F238E27FC236}">
-                <a16:creationId xmlns:a16="http://schemas.microsoft.com/office/drawing/2014/main" id="{9121B7BE-52DA-634A-9468-D11AC940BED2}"/>
+                <a16:creationId xmlns:a16="http://schemas.microsoft.com/office/drawing/2014/main" id="{A96E1E3D-EAE9-A284-CB80-7935D94EF482}"/>
               </a:ext>
             </a:extLst>
           </p:cNvPr>
@@ -2992,7 +2992,7 @@
             </a:lvl1pPr>
           </a:lstStyle>
           <a:p>
-            <a:fld id="{52CE9567-042B-4A40-8C72-33A40CF83953}" type="slidenum">
+            <a:fld id="{B3CEFCF0-2538-4B3C-BE63-A67CA456D26A}" type="slidenum">
               <a:rPr lang="zh-CN" altLang="en-US" smtClean="0"/>
               <a:t>‹#›</a:t>
             </a:fld>
@@ -3003,7 +3003,7 @@
     </p:spTree>
     <p:extLst>
       <p:ext uri="{BB962C8B-B14F-4D97-AF65-F5344CB8AC3E}">
-        <p14:creationId xmlns:p14="http://schemas.microsoft.com/office/powerpoint/2010/main" val="3645368172"/>
+        <p14:creationId xmlns:p14="http://schemas.microsoft.com/office/powerpoint/2010/main" val="3026103083"/>
       </p:ext>
     </p:extLst>
   </p:cSld>
@@ -3323,7 +3323,7 @@
       </p:grpSpPr>
       <p:pic>
         <p:nvPicPr>
-          <p:cNvPr id="1563650" name="Picture 2" descr="11526"/>
+          <p:cNvPr id="1564674" name="Picture 2" descr="1527"/>
           <p:cNvPicPr>
             <a:picLocks noChangeAspect="1" noChangeArrowheads="1"/>
           </p:cNvPicPr>
@@ -3375,158 +3375,11 @@
           </a:extLst>
         </p:spPr>
       </p:pic>
-      <p:pic>
-        <p:nvPicPr>
-          <p:cNvPr id="1564675" name="Picture 3" descr="1526-2"/>
-          <p:cNvPicPr>
-            <a:picLocks noChangeAspect="1" noChangeArrowheads="1"/>
-          </p:cNvPicPr>
-          <p:nvPr/>
-        </p:nvPicPr>
-        <p:blipFill>
-          <a:blip r:embed="rId3">
-            <a:extLst>
-              <a:ext uri="{28A0092B-C50C-407E-A947-70E740481C1C}">
-                <a14:useLocalDpi xmlns:a14="http://schemas.microsoft.com/office/drawing/2010/main" val="0"/>
-              </a:ext>
-            </a:extLst>
-          </a:blip>
-          <a:srcRect/>
-          <a:stretch>
-            <a:fillRect/>
-          </a:stretch>
-        </p:blipFill>
-        <p:spPr bwMode="auto">
-          <a:xfrm>
-            <a:off x="1524000" y="14288"/>
-            <a:ext cx="9124950" cy="6843712"/>
-          </a:xfrm>
-          <a:prstGeom prst="rect">
-            <a:avLst/>
-          </a:prstGeom>
-          <a:noFill/>
-          <a:ln>
-            <a:noFill/>
-          </a:ln>
-          <a:effectLst/>
-          <a:extLst>
-            <a:ext uri="{909E8E84-426E-40DD-AFC4-6F175D3DCCD1}">
-              <a14:hiddenFill xmlns:a14="http://schemas.microsoft.com/office/drawing/2010/main">
-                <a:solidFill>
-                  <a:srgbClr val="FFFFFF"/>
-                </a:solidFill>
-              </a14:hiddenFill>
-            </a:ext>
-            <a:ext uri="{91240B29-F687-4F45-9708-019B960494DF}">
-              <a14:hiddenLine xmlns:a14="http://schemas.microsoft.com/office/drawing/2010/main" w="9525">
-                <a:solidFill>
-                  <a:srgbClr val="000000"/>
-                </a:solidFill>
-                <a:miter lim="800000"/>
-                <a:headEnd/>
-                <a:tailEnd/>
-              </a14:hiddenLine>
-            </a:ext>
-            <a:ext uri="{AF507438-7753-43E0-B8FC-AC1667EBCBE1}">
-              <a14:hiddenEffects xmlns:a14="http://schemas.microsoft.com/office/drawing/2010/main">
-                <a:effectLst>
-                  <a:outerShdw dist="35921" dir="2700000" algn="ctr" rotWithShape="0">
-                    <a:srgbClr val="808080"/>
-                  </a:outerShdw>
-                </a:effectLst>
-              </a14:hiddenEffects>
-            </a:ext>
-          </a:extLst>
-        </p:spPr>
-      </p:pic>
     </p:spTree>
   </p:cSld>
   <p:clrMapOvr>
     <a:masterClrMapping/>
   </p:clrMapOvr>
-  <p:timing>
-    <p:tnLst>
-      <p:par>
-        <p:cTn id="1" dur="indefinite" restart="never" nodeType="tmRoot">
-          <p:childTnLst>
-            <p:seq concurrent="1" nextAc="seek">
-              <p:cTn id="2" dur="indefinite" nodeType="mainSeq">
-                <p:childTnLst>
-                  <p:par>
-                    <p:cTn id="3" fill="hold" nodeType="clickPar">
-                      <p:stCondLst>
-                        <p:cond delay="indefinite"/>
-                      </p:stCondLst>
-                      <p:childTnLst>
-                        <p:par>
-                          <p:cTn id="4" fill="hold" nodeType="withGroup">
-                            <p:stCondLst>
-                              <p:cond delay="0"/>
-                            </p:stCondLst>
-                            <p:childTnLst>
-                              <p:par>
-                                <p:cTn id="5" presetID="10" presetClass="entr" presetSubtype="0" fill="hold" nodeType="clickEffect">
-                                  <p:stCondLst>
-                                    <p:cond delay="0"/>
-                                  </p:stCondLst>
-                                  <p:childTnLst>
-                                    <p:set>
-                                      <p:cBhvr>
-                                        <p:cTn id="6" dur="1" fill="hold">
-                                          <p:stCondLst>
-                                            <p:cond delay="0"/>
-                                          </p:stCondLst>
-                                        </p:cTn>
-                                        <p:tgtEl>
-                                          <p:spTgt spid="1564675"/>
-                                        </p:tgtEl>
-                                        <p:attrNameLst>
-                                          <p:attrName>style.visibility</p:attrName>
-                                        </p:attrNameLst>
-                                      </p:cBhvr>
-                                      <p:to>
-                                        <p:strVal val="visible"/>
-                                      </p:to>
-                                    </p:set>
-                                    <p:animEffect transition="in" filter="fade">
-                                      <p:cBhvr>
-                                        <p:cTn id="7" dur="500"/>
-                                        <p:tgtEl>
-                                          <p:spTgt spid="1564675"/>
-                                        </p:tgtEl>
-                                      </p:cBhvr>
-                                    </p:animEffect>
-                                  </p:childTnLst>
-                                </p:cTn>
-                              </p:par>
-                            </p:childTnLst>
-                          </p:cTn>
-                        </p:par>
-                      </p:childTnLst>
-                    </p:cTn>
-                  </p:par>
-                </p:childTnLst>
-              </p:cTn>
-              <p:prevCondLst>
-                <p:cond evt="onPrev" delay="0">
-                  <p:tgtEl>
-                    <p:sldTgt/>
-                  </p:tgtEl>
-                </p:cond>
-              </p:prevCondLst>
-              <p:nextCondLst>
-                <p:cond evt="onNext" delay="0">
-                  <p:tgtEl>
-                    <p:sldTgt/>
-                  </p:tgtEl>
-                </p:cond>
-              </p:nextCondLst>
-            </p:seq>
-          </p:childTnLst>
-        </p:cTn>
-      </p:par>
-    </p:tnLst>
-  </p:timing>
 </p:sld>
 </file>
 
